--- a/meetingPPT/063_Joy_SystemDesignInterview_NewsFeed.pptx
+++ b/meetingPPT/063_Joy_SystemDesignInterview_NewsFeed.pptx
@@ -5,7 +5,7 @@
     <p:sldMasterId id="2147483648" r:id="rId1"/>
   </p:sldMasterIdLst>
   <p:notesMasterIdLst>
-    <p:notesMasterId r:id="rId9"/>
+    <p:notesMasterId r:id="rId15"/>
   </p:notesMasterIdLst>
   <p:sldIdLst>
     <p:sldId id="256" r:id="rId2"/>
@@ -15,6 +15,12 @@
     <p:sldId id="260" r:id="rId6"/>
     <p:sldId id="261" r:id="rId7"/>
     <p:sldId id="262" r:id="rId8"/>
+    <p:sldId id="263" r:id="rId9"/>
+    <p:sldId id="264" r:id="rId10"/>
+    <p:sldId id="265" r:id="rId11"/>
+    <p:sldId id="266" r:id="rId12"/>
+    <p:sldId id="267" r:id="rId13"/>
+    <p:sldId id="268" r:id="rId14"/>
   </p:sldIdLst>
   <p:sldSz cx="12192000" cy="6858000"/>
   <p:notesSz cx="6858000" cy="9144000"/>
@@ -113,6 +119,11 @@
       </a:defRPr>
     </a:lvl9pPr>
   </p:defaultTextStyle>
+  <p:extLst>
+    <p:ext uri="{EFAFB233-063F-42B5-8137-9DF3F51BA10A}">
+      <p15:sldGuideLst xmlns:p15="http://schemas.microsoft.com/office/powerpoint/2012/main"/>
+    </p:ext>
+  </p:extLst>
 </p:presentation>
 </file>
 
@@ -198,7 +209,7 @@
           <a:p>
             <a:fld id="{7FD40F29-D91C-4FCF-8B4D-0863C4CF792A}" type="datetimeFigureOut">
               <a:rPr lang="en-US" smtClean="0"/>
-              <a:t>8/20/2022</a:t>
+              <a:t>10/2/2022</a:t>
             </a:fld>
             <a:endParaRPr lang="en-US"/>
           </a:p>
@@ -737,6 +748,90 @@
 </p:notes>
 </file>
 
+<file path=ppt/notesSlides/notesSlide3.xml><?xml version="1.0" encoding="utf-8"?>
+<p:notes xmlns:a="http://schemas.openxmlformats.org/drawingml/2006/main" xmlns:r="http://schemas.openxmlformats.org/officeDocument/2006/relationships" xmlns:p="http://schemas.openxmlformats.org/presentationml/2006/main">
+  <p:cSld>
+    <p:spTree>
+      <p:nvGrpSpPr>
+        <p:cNvPr id="1" name=""/>
+        <p:cNvGrpSpPr/>
+        <p:nvPr/>
+      </p:nvGrpSpPr>
+      <p:grpSpPr>
+        <a:xfrm>
+          <a:off x="0" y="0"/>
+          <a:ext cx="0" cy="0"/>
+          <a:chOff x="0" y="0"/>
+          <a:chExt cx="0" cy="0"/>
+        </a:xfrm>
+      </p:grpSpPr>
+      <p:sp>
+        <p:nvSpPr>
+          <p:cNvPr id="2" name="Slide Image Placeholder 1"/>
+          <p:cNvSpPr>
+            <a:spLocks noGrp="1" noRot="1" noChangeAspect="1"/>
+          </p:cNvSpPr>
+          <p:nvPr>
+            <p:ph type="sldImg"/>
+          </p:nvPr>
+        </p:nvSpPr>
+        <p:spPr/>
+      </p:sp>
+      <p:sp>
+        <p:nvSpPr>
+          <p:cNvPr id="3" name="Notes Placeholder 2"/>
+          <p:cNvSpPr>
+            <a:spLocks noGrp="1"/>
+          </p:cNvSpPr>
+          <p:nvPr>
+            <p:ph type="body" idx="1"/>
+          </p:nvPr>
+        </p:nvSpPr>
+        <p:spPr/>
+        <p:txBody>
+          <a:bodyPr/>
+          <a:lstStyle/>
+          <a:p>
+            <a:endParaRPr lang="en-US" dirty="0"/>
+          </a:p>
+        </p:txBody>
+      </p:sp>
+      <p:sp>
+        <p:nvSpPr>
+          <p:cNvPr id="4" name="Slide Number Placeholder 3"/>
+          <p:cNvSpPr>
+            <a:spLocks noGrp="1"/>
+          </p:cNvSpPr>
+          <p:nvPr>
+            <p:ph type="sldNum" sz="quarter" idx="10"/>
+          </p:nvPr>
+        </p:nvSpPr>
+        <p:spPr/>
+        <p:txBody>
+          <a:bodyPr/>
+          <a:lstStyle/>
+          <a:p>
+            <a:fld id="{84998687-1F9D-4C68-9B61-3F89A8E11AED}" type="slidenum">
+              <a:rPr lang="en-US" smtClean="0"/>
+              <a:t>9</a:t>
+            </a:fld>
+            <a:endParaRPr lang="en-US"/>
+          </a:p>
+        </p:txBody>
+      </p:sp>
+    </p:spTree>
+    <p:extLst>
+      <p:ext uri="{BB962C8B-B14F-4D97-AF65-F5344CB8AC3E}">
+        <p14:creationId xmlns:p14="http://schemas.microsoft.com/office/powerpoint/2010/main" val="4126857297"/>
+      </p:ext>
+    </p:extLst>
+  </p:cSld>
+  <p:clrMapOvr>
+    <a:masterClrMapping/>
+  </p:clrMapOvr>
+</p:notes>
+</file>
+
 <file path=ppt/slideLayouts/slideLayout1.xml><?xml version="1.0" encoding="utf-8"?>
 <p:sldLayout xmlns:a="http://schemas.openxmlformats.org/drawingml/2006/main" xmlns:r="http://schemas.openxmlformats.org/officeDocument/2006/relationships" xmlns:p="http://schemas.openxmlformats.org/presentationml/2006/main" type="title" preserve="1">
   <p:cSld name="Title Slide">
@@ -868,7 +963,7 @@
           <a:p>
             <a:fld id="{F74B534C-0334-4297-8E70-B1C76DEA4B9C}" type="datetimeFigureOut">
               <a:rPr lang="en-US" smtClean="0"/>
-              <a:t>8/20/2022</a:t>
+              <a:t>10/2/2022</a:t>
             </a:fld>
             <a:endParaRPr lang="en-US"/>
           </a:p>
@@ -1038,7 +1133,7 @@
           <a:p>
             <a:fld id="{F74B534C-0334-4297-8E70-B1C76DEA4B9C}" type="datetimeFigureOut">
               <a:rPr lang="en-US" smtClean="0"/>
-              <a:t>8/20/2022</a:t>
+              <a:t>10/2/2022</a:t>
             </a:fld>
             <a:endParaRPr lang="en-US"/>
           </a:p>
@@ -1218,7 +1313,7 @@
           <a:p>
             <a:fld id="{F74B534C-0334-4297-8E70-B1C76DEA4B9C}" type="datetimeFigureOut">
               <a:rPr lang="en-US" smtClean="0"/>
-              <a:t>8/20/2022</a:t>
+              <a:t>10/2/2022</a:t>
             </a:fld>
             <a:endParaRPr lang="en-US"/>
           </a:p>
@@ -1388,7 +1483,7 @@
           <a:p>
             <a:fld id="{F74B534C-0334-4297-8E70-B1C76DEA4B9C}" type="datetimeFigureOut">
               <a:rPr lang="en-US" smtClean="0"/>
-              <a:t>8/20/2022</a:t>
+              <a:t>10/2/2022</a:t>
             </a:fld>
             <a:endParaRPr lang="en-US"/>
           </a:p>
@@ -1634,7 +1729,7 @@
           <a:p>
             <a:fld id="{F74B534C-0334-4297-8E70-B1C76DEA4B9C}" type="datetimeFigureOut">
               <a:rPr lang="en-US" smtClean="0"/>
-              <a:t>8/20/2022</a:t>
+              <a:t>10/2/2022</a:t>
             </a:fld>
             <a:endParaRPr lang="en-US"/>
           </a:p>
@@ -1866,7 +1961,7 @@
           <a:p>
             <a:fld id="{F74B534C-0334-4297-8E70-B1C76DEA4B9C}" type="datetimeFigureOut">
               <a:rPr lang="en-US" smtClean="0"/>
-              <a:t>8/20/2022</a:t>
+              <a:t>10/2/2022</a:t>
             </a:fld>
             <a:endParaRPr lang="en-US"/>
           </a:p>
@@ -2233,7 +2328,7 @@
           <a:p>
             <a:fld id="{F74B534C-0334-4297-8E70-B1C76DEA4B9C}" type="datetimeFigureOut">
               <a:rPr lang="en-US" smtClean="0"/>
-              <a:t>8/20/2022</a:t>
+              <a:t>10/2/2022</a:t>
             </a:fld>
             <a:endParaRPr lang="en-US"/>
           </a:p>
@@ -2351,7 +2446,7 @@
           <a:p>
             <a:fld id="{F74B534C-0334-4297-8E70-B1C76DEA4B9C}" type="datetimeFigureOut">
               <a:rPr lang="en-US" smtClean="0"/>
-              <a:t>8/20/2022</a:t>
+              <a:t>10/2/2022</a:t>
             </a:fld>
             <a:endParaRPr lang="en-US"/>
           </a:p>
@@ -2446,7 +2541,7 @@
           <a:p>
             <a:fld id="{F74B534C-0334-4297-8E70-B1C76DEA4B9C}" type="datetimeFigureOut">
               <a:rPr lang="en-US" smtClean="0"/>
-              <a:t>8/20/2022</a:t>
+              <a:t>10/2/2022</a:t>
             </a:fld>
             <a:endParaRPr lang="en-US"/>
           </a:p>
@@ -2723,7 +2818,7 @@
           <a:p>
             <a:fld id="{F74B534C-0334-4297-8E70-B1C76DEA4B9C}" type="datetimeFigureOut">
               <a:rPr lang="en-US" smtClean="0"/>
-              <a:t>8/20/2022</a:t>
+              <a:t>10/2/2022</a:t>
             </a:fld>
             <a:endParaRPr lang="en-US"/>
           </a:p>
@@ -2976,7 +3071,7 @@
           <a:p>
             <a:fld id="{F74B534C-0334-4297-8E70-B1C76DEA4B9C}" type="datetimeFigureOut">
               <a:rPr lang="en-US" smtClean="0"/>
-              <a:t>8/20/2022</a:t>
+              <a:t>10/2/2022</a:t>
             </a:fld>
             <a:endParaRPr lang="en-US"/>
           </a:p>
@@ -3189,7 +3284,7 @@
           <a:p>
             <a:fld id="{F74B534C-0334-4297-8E70-B1C76DEA4B9C}" type="datetimeFigureOut">
               <a:rPr lang="en-US" smtClean="0"/>
-              <a:t>8/20/2022</a:t>
+              <a:t>10/2/2022</a:t>
             </a:fld>
             <a:endParaRPr lang="en-US"/>
           </a:p>
@@ -3675,6 +3770,439 @@
 </p:sld>
 </file>
 
+<file path=ppt/slides/slide10.xml><?xml version="1.0" encoding="utf-8"?>
+<p:sld xmlns:a="http://schemas.openxmlformats.org/drawingml/2006/main" xmlns:r="http://schemas.openxmlformats.org/officeDocument/2006/relationships" xmlns:p="http://schemas.openxmlformats.org/presentationml/2006/main">
+  <p:cSld>
+    <p:spTree>
+      <p:nvGrpSpPr>
+        <p:cNvPr id="1" name=""/>
+        <p:cNvGrpSpPr/>
+        <p:nvPr/>
+      </p:nvGrpSpPr>
+      <p:grpSpPr>
+        <a:xfrm>
+          <a:off x="0" y="0"/>
+          <a:ext cx="0" cy="0"/>
+          <a:chOff x="0" y="0"/>
+          <a:chExt cx="0" cy="0"/>
+        </a:xfrm>
+      </p:grpSpPr>
+      <p:sp>
+        <p:nvSpPr>
+          <p:cNvPr id="2" name="Title 1"/>
+          <p:cNvSpPr>
+            <a:spLocks noGrp="1"/>
+          </p:cNvSpPr>
+          <p:nvPr>
+            <p:ph type="title"/>
+          </p:nvPr>
+        </p:nvSpPr>
+        <p:spPr>
+          <a:xfrm>
+            <a:off x="416960" y="77448"/>
+            <a:ext cx="10515600" cy="1325563"/>
+          </a:xfrm>
+        </p:spPr>
+        <p:txBody>
+          <a:bodyPr/>
+          <a:lstStyle/>
+          <a:p>
+            <a:r>
+              <a:rPr lang="en-US" b="1" dirty="0"/>
+              <a:t>Newsfeed retrieval deep dive</a:t>
+            </a:r>
+            <a:endParaRPr lang="en-US" dirty="0"/>
+          </a:p>
+        </p:txBody>
+      </p:sp>
+      <p:pic>
+        <p:nvPicPr>
+          <p:cNvPr id="4" name="Content Placeholder 3"/>
+          <p:cNvPicPr>
+            <a:picLocks noGrp="1" noChangeAspect="1"/>
+          </p:cNvPicPr>
+          <p:nvPr>
+            <p:ph idx="1"/>
+          </p:nvPr>
+        </p:nvPicPr>
+        <p:blipFill>
+          <a:blip r:embed="rId2"/>
+          <a:stretch>
+            <a:fillRect/>
+          </a:stretch>
+        </p:blipFill>
+        <p:spPr>
+          <a:xfrm>
+            <a:off x="636141" y="1084511"/>
+            <a:ext cx="5333143" cy="5633662"/>
+          </a:xfrm>
+          <a:prstGeom prst="rect">
+            <a:avLst/>
+          </a:prstGeom>
+        </p:spPr>
+      </p:pic>
+      <p:sp>
+        <p:nvSpPr>
+          <p:cNvPr id="5" name="Rectangle 4"/>
+          <p:cNvSpPr/>
+          <p:nvPr/>
+        </p:nvSpPr>
+        <p:spPr>
+          <a:xfrm>
+            <a:off x="6818616" y="2218129"/>
+            <a:ext cx="5130229" cy="2031325"/>
+          </a:xfrm>
+          <a:prstGeom prst="rect">
+            <a:avLst/>
+          </a:prstGeom>
+        </p:spPr>
+        <p:txBody>
+          <a:bodyPr wrap="square">
+            <a:spAutoFit/>
+          </a:bodyPr>
+          <a:lstStyle/>
+          <a:p>
+            <a:r>
+              <a:rPr lang="en-US" dirty="0" smtClean="0">
+                <a:latin typeface="LiberationSerif"/>
+              </a:rPr>
+              <a:t>A </a:t>
+            </a:r>
+            <a:r>
+              <a:rPr lang="en-US" dirty="0">
+                <a:latin typeface="LiberationSerif"/>
+              </a:rPr>
+              <a:t>user’s news feed is more than just a list of feed IDs. It contains username, profile</a:t>
+            </a:r>
+          </a:p>
+          <a:p>
+            <a:r>
+              <a:rPr lang="en-US" dirty="0">
+                <a:latin typeface="LiberationSerif"/>
+              </a:rPr>
+              <a:t>picture, post content, post image, etc. Thus, the news feed service fetches the complete</a:t>
+            </a:r>
+          </a:p>
+          <a:p>
+            <a:r>
+              <a:rPr lang="en-US" dirty="0">
+                <a:latin typeface="LiberationSerif"/>
+              </a:rPr>
+              <a:t>user and post objects from caches (user cache and post cache) to construct the fully</a:t>
+            </a:r>
+          </a:p>
+          <a:p>
+            <a:r>
+              <a:rPr lang="en-US" dirty="0">
+                <a:latin typeface="LiberationSerif"/>
+              </a:rPr>
+              <a:t>hydrated news feed.</a:t>
+            </a:r>
+            <a:endParaRPr lang="en-US" dirty="0"/>
+          </a:p>
+        </p:txBody>
+      </p:sp>
+    </p:spTree>
+    <p:extLst>
+      <p:ext uri="{BB962C8B-B14F-4D97-AF65-F5344CB8AC3E}">
+        <p14:creationId xmlns:p14="http://schemas.microsoft.com/office/powerpoint/2010/main" val="1042679656"/>
+      </p:ext>
+    </p:extLst>
+  </p:cSld>
+  <p:clrMapOvr>
+    <a:masterClrMapping/>
+  </p:clrMapOvr>
+</p:sld>
+</file>
+
+<file path=ppt/slides/slide11.xml><?xml version="1.0" encoding="utf-8"?>
+<p:sld xmlns:a="http://schemas.openxmlformats.org/drawingml/2006/main" xmlns:r="http://schemas.openxmlformats.org/officeDocument/2006/relationships" xmlns:p="http://schemas.openxmlformats.org/presentationml/2006/main">
+  <p:cSld>
+    <p:spTree>
+      <p:nvGrpSpPr>
+        <p:cNvPr id="1" name=""/>
+        <p:cNvGrpSpPr/>
+        <p:nvPr/>
+      </p:nvGrpSpPr>
+      <p:grpSpPr>
+        <a:xfrm>
+          <a:off x="0" y="0"/>
+          <a:ext cx="0" cy="0"/>
+          <a:chOff x="0" y="0"/>
+          <a:chExt cx="0" cy="0"/>
+        </a:xfrm>
+      </p:grpSpPr>
+      <p:sp>
+        <p:nvSpPr>
+          <p:cNvPr id="2" name="Title 1"/>
+          <p:cNvSpPr>
+            <a:spLocks noGrp="1"/>
+          </p:cNvSpPr>
+          <p:nvPr>
+            <p:ph type="title"/>
+          </p:nvPr>
+        </p:nvSpPr>
+        <p:spPr/>
+        <p:txBody>
+          <a:bodyPr/>
+          <a:lstStyle/>
+          <a:p>
+            <a:r>
+              <a:rPr lang="en-US" b="1" dirty="0"/>
+              <a:t>Cache architecture</a:t>
+            </a:r>
+            <a:endParaRPr lang="en-US" dirty="0"/>
+          </a:p>
+        </p:txBody>
+      </p:sp>
+      <p:pic>
+        <p:nvPicPr>
+          <p:cNvPr id="4" name="Content Placeholder 3"/>
+          <p:cNvPicPr>
+            <a:picLocks noGrp="1" noChangeAspect="1"/>
+          </p:cNvPicPr>
+          <p:nvPr>
+            <p:ph idx="1"/>
+          </p:nvPr>
+        </p:nvPicPr>
+        <p:blipFill>
+          <a:blip r:embed="rId2"/>
+          <a:stretch>
+            <a:fillRect/>
+          </a:stretch>
+        </p:blipFill>
+        <p:spPr>
+          <a:xfrm>
+            <a:off x="1070149" y="1955263"/>
+            <a:ext cx="7765626" cy="4500443"/>
+          </a:xfrm>
+          <a:prstGeom prst="rect">
+            <a:avLst/>
+          </a:prstGeom>
+        </p:spPr>
+      </p:pic>
+    </p:spTree>
+    <p:extLst>
+      <p:ext uri="{BB962C8B-B14F-4D97-AF65-F5344CB8AC3E}">
+        <p14:creationId xmlns:p14="http://schemas.microsoft.com/office/powerpoint/2010/main" val="708745605"/>
+      </p:ext>
+    </p:extLst>
+  </p:cSld>
+  <p:clrMapOvr>
+    <a:masterClrMapping/>
+  </p:clrMapOvr>
+</p:sld>
+</file>
+
+<file path=ppt/slides/slide12.xml><?xml version="1.0" encoding="utf-8"?>
+<p:sld xmlns:a="http://schemas.openxmlformats.org/drawingml/2006/main" xmlns:r="http://schemas.openxmlformats.org/officeDocument/2006/relationships" xmlns:p="http://schemas.openxmlformats.org/presentationml/2006/main">
+  <p:cSld>
+    <p:spTree>
+      <p:nvGrpSpPr>
+        <p:cNvPr id="1" name=""/>
+        <p:cNvGrpSpPr/>
+        <p:nvPr/>
+      </p:nvGrpSpPr>
+      <p:grpSpPr>
+        <a:xfrm>
+          <a:off x="0" y="0"/>
+          <a:ext cx="0" cy="0"/>
+          <a:chOff x="0" y="0"/>
+          <a:chExt cx="0" cy="0"/>
+        </a:xfrm>
+      </p:grpSpPr>
+      <p:sp>
+        <p:nvSpPr>
+          <p:cNvPr id="2" name="Title 1"/>
+          <p:cNvSpPr>
+            <a:spLocks noGrp="1"/>
+          </p:cNvSpPr>
+          <p:nvPr>
+            <p:ph type="title"/>
+          </p:nvPr>
+        </p:nvSpPr>
+        <p:spPr/>
+        <p:txBody>
+          <a:bodyPr/>
+          <a:lstStyle/>
+          <a:p>
+            <a:r>
+              <a:rPr lang="en-US" b="1" dirty="0"/>
+              <a:t>Step 4 - Wrap </a:t>
+            </a:r>
+            <a:r>
+              <a:rPr lang="en-US" b="1" dirty="0" smtClean="0"/>
+              <a:t>up</a:t>
+            </a:r>
+            <a:endParaRPr lang="en-US" dirty="0"/>
+          </a:p>
+        </p:txBody>
+      </p:sp>
+      <p:sp>
+        <p:nvSpPr>
+          <p:cNvPr id="3" name="Content Placeholder 2"/>
+          <p:cNvSpPr>
+            <a:spLocks noGrp="1"/>
+          </p:cNvSpPr>
+          <p:nvPr>
+            <p:ph idx="1"/>
+          </p:nvPr>
+        </p:nvSpPr>
+        <p:spPr>
+          <a:xfrm>
+            <a:off x="838200" y="2061931"/>
+            <a:ext cx="11141467" cy="1873072"/>
+          </a:xfrm>
+        </p:spPr>
+        <p:txBody>
+          <a:bodyPr/>
+          <a:lstStyle/>
+          <a:p>
+            <a:r>
+              <a:rPr lang="en-US" dirty="0"/>
+              <a:t>Our design contains two flows: </a:t>
+            </a:r>
+            <a:r>
+              <a:rPr lang="en-US" dirty="0" smtClean="0"/>
+              <a:t>feed publishing </a:t>
+            </a:r>
+            <a:r>
+              <a:rPr lang="en-US" dirty="0"/>
+              <a:t>and news feed retrieval.</a:t>
+            </a:r>
+          </a:p>
+          <a:p>
+            <a:r>
+              <a:rPr lang="en-US" dirty="0"/>
+              <a:t>Like any system design interview questions, there is no perfect way to design a </a:t>
+            </a:r>
+            <a:r>
+              <a:rPr lang="en-US" dirty="0" smtClean="0"/>
+              <a:t>system. </a:t>
+            </a:r>
+            <a:r>
+              <a:rPr lang="en-US" dirty="0"/>
+              <a:t>Understanding the tradeoffs of your design and technology choices are important.</a:t>
+            </a:r>
+            <a:endParaRPr lang="en-US" dirty="0"/>
+          </a:p>
+        </p:txBody>
+      </p:sp>
+    </p:spTree>
+    <p:extLst>
+      <p:ext uri="{BB962C8B-B14F-4D97-AF65-F5344CB8AC3E}">
+        <p14:creationId xmlns:p14="http://schemas.microsoft.com/office/powerpoint/2010/main" val="2674217300"/>
+      </p:ext>
+    </p:extLst>
+  </p:cSld>
+  <p:clrMapOvr>
+    <a:masterClrMapping/>
+  </p:clrMapOvr>
+</p:sld>
+</file>
+
+<file path=ppt/slides/slide13.xml><?xml version="1.0" encoding="utf-8"?>
+<p:sld xmlns:a="http://schemas.openxmlformats.org/drawingml/2006/main" xmlns:r="http://schemas.openxmlformats.org/officeDocument/2006/relationships" xmlns:p="http://schemas.openxmlformats.org/presentationml/2006/main">
+  <p:cSld>
+    <p:spTree>
+      <p:nvGrpSpPr>
+        <p:cNvPr id="1" name=""/>
+        <p:cNvGrpSpPr/>
+        <p:nvPr/>
+      </p:nvGrpSpPr>
+      <p:grpSpPr>
+        <a:xfrm>
+          <a:off x="0" y="0"/>
+          <a:ext cx="0" cy="0"/>
+          <a:chOff x="0" y="0"/>
+          <a:chExt cx="0" cy="0"/>
+        </a:xfrm>
+      </p:grpSpPr>
+      <p:pic>
+        <p:nvPicPr>
+          <p:cNvPr id="4" name="Content Placeholder 3"/>
+          <p:cNvPicPr>
+            <a:picLocks noGrp="1" noChangeAspect="1"/>
+          </p:cNvPicPr>
+          <p:nvPr>
+            <p:ph idx="1"/>
+          </p:nvPr>
+        </p:nvPicPr>
+        <p:blipFill>
+          <a:blip r:embed="rId2"/>
+          <a:stretch>
+            <a:fillRect/>
+          </a:stretch>
+        </p:blipFill>
+        <p:spPr>
+          <a:xfrm>
+            <a:off x="802565" y="1699853"/>
+            <a:ext cx="9492142" cy="4454365"/>
+          </a:xfrm>
+          <a:prstGeom prst="rect">
+            <a:avLst/>
+          </a:prstGeom>
+        </p:spPr>
+      </p:pic>
+      <p:sp>
+        <p:nvSpPr>
+          <p:cNvPr id="5" name="Rectangle 4"/>
+          <p:cNvSpPr/>
+          <p:nvPr/>
+        </p:nvSpPr>
+        <p:spPr>
+          <a:xfrm>
+            <a:off x="802564" y="501133"/>
+            <a:ext cx="6142766" cy="769441"/>
+          </a:xfrm>
+          <a:prstGeom prst="rect">
+            <a:avLst/>
+          </a:prstGeom>
+        </p:spPr>
+        <p:txBody>
+          <a:bodyPr wrap="square">
+            <a:spAutoFit/>
+          </a:bodyPr>
+          <a:lstStyle/>
+          <a:p>
+            <a:r>
+              <a:rPr lang="en-US" sz="4400" b="1" dirty="0">
+                <a:latin typeface="+mj-lt"/>
+                <a:ea typeface="+mj-ea"/>
+                <a:cs typeface="+mj-cs"/>
+              </a:rPr>
+              <a:t>high-level</a:t>
+            </a:r>
+            <a:r>
+              <a:rPr lang="en-US" dirty="0">
+                <a:latin typeface="LiberationSerif"/>
+              </a:rPr>
+              <a:t> </a:t>
+            </a:r>
+            <a:r>
+              <a:rPr lang="en-US" sz="4400" b="1" dirty="0">
+                <a:latin typeface="+mj-lt"/>
+                <a:ea typeface="+mj-ea"/>
+                <a:cs typeface="+mj-cs"/>
+              </a:rPr>
+              <a:t>talking points</a:t>
+            </a:r>
+          </a:p>
+        </p:txBody>
+      </p:sp>
+    </p:spTree>
+    <p:extLst>
+      <p:ext uri="{BB962C8B-B14F-4D97-AF65-F5344CB8AC3E}">
+        <p14:creationId xmlns:p14="http://schemas.microsoft.com/office/powerpoint/2010/main" val="1181475175"/>
+      </p:ext>
+    </p:extLst>
+  </p:cSld>
+  <p:clrMapOvr>
+    <a:masterClrMapping/>
+  </p:clrMapOvr>
+</p:sld>
+</file>
+
 <file path=ppt/slides/slide2.xml><?xml version="1.0" encoding="utf-8"?>
 <p:sld xmlns:a="http://schemas.openxmlformats.org/drawingml/2006/main" xmlns:r="http://schemas.openxmlformats.org/officeDocument/2006/relationships" xmlns:p="http://schemas.openxmlformats.org/presentationml/2006/main">
   <p:cSld>
@@ -4591,6 +5119,286 @@
     <p:extLst>
       <p:ext uri="{BB962C8B-B14F-4D97-AF65-F5344CB8AC3E}">
         <p14:creationId xmlns:p14="http://schemas.microsoft.com/office/powerpoint/2010/main" val="221216017"/>
+      </p:ext>
+    </p:extLst>
+  </p:cSld>
+  <p:clrMapOvr>
+    <a:masterClrMapping/>
+  </p:clrMapOvr>
+</p:sld>
+</file>
+
+<file path=ppt/slides/slide8.xml><?xml version="1.0" encoding="utf-8"?>
+<p:sld xmlns:a="http://schemas.openxmlformats.org/drawingml/2006/main" xmlns:r="http://schemas.openxmlformats.org/officeDocument/2006/relationships" xmlns:p="http://schemas.openxmlformats.org/presentationml/2006/main">
+  <p:cSld>
+    <p:spTree>
+      <p:nvGrpSpPr>
+        <p:cNvPr id="1" name=""/>
+        <p:cNvGrpSpPr/>
+        <p:nvPr/>
+      </p:nvGrpSpPr>
+      <p:grpSpPr>
+        <a:xfrm>
+          <a:off x="0" y="0"/>
+          <a:ext cx="0" cy="0"/>
+          <a:chOff x="0" y="0"/>
+          <a:chExt cx="0" cy="0"/>
+        </a:xfrm>
+      </p:grpSpPr>
+      <p:sp>
+        <p:nvSpPr>
+          <p:cNvPr id="3" name="Content Placeholder 2"/>
+          <p:cNvSpPr>
+            <a:spLocks noGrp="1"/>
+          </p:cNvSpPr>
+          <p:nvPr>
+            <p:ph idx="1"/>
+          </p:nvPr>
+        </p:nvSpPr>
+        <p:spPr/>
+        <p:txBody>
+          <a:bodyPr/>
+          <a:lstStyle/>
+          <a:p>
+            <a:r>
+              <a:rPr lang="en-US" dirty="0"/>
+              <a:t>Since fetching the news feed fast is crucial, we use a push model for the majority of users.</a:t>
+            </a:r>
+          </a:p>
+          <a:p>
+            <a:r>
+              <a:rPr lang="en-US" dirty="0"/>
+              <a:t>For celebrities or users who have many friends/followers, we let followers pull news </a:t>
+            </a:r>
+            <a:r>
+              <a:rPr lang="en-US" dirty="0" smtClean="0"/>
+              <a:t>content on-demand </a:t>
+            </a:r>
+            <a:r>
+              <a:rPr lang="en-US" dirty="0"/>
+              <a:t>to avoid system overload. </a:t>
+            </a:r>
+            <a:endParaRPr lang="en-US" dirty="0" smtClean="0"/>
+          </a:p>
+          <a:p>
+            <a:r>
+              <a:rPr lang="en-US" dirty="0" smtClean="0"/>
+              <a:t>Consistent </a:t>
+            </a:r>
+            <a:r>
+              <a:rPr lang="en-US" dirty="0"/>
+              <a:t>hashing is a useful technique to mitigate </a:t>
+            </a:r>
+            <a:r>
+              <a:rPr lang="en-US" dirty="0" smtClean="0"/>
+              <a:t>the hotkey </a:t>
+            </a:r>
+            <a:r>
+              <a:rPr lang="en-US" dirty="0"/>
+              <a:t>problem as it helps to distribute requests/data more evenly.</a:t>
+            </a:r>
+            <a:endParaRPr lang="en-US" dirty="0"/>
+          </a:p>
+        </p:txBody>
+      </p:sp>
+    </p:spTree>
+    <p:extLst>
+      <p:ext uri="{BB962C8B-B14F-4D97-AF65-F5344CB8AC3E}">
+        <p14:creationId xmlns:p14="http://schemas.microsoft.com/office/powerpoint/2010/main" val="2049605796"/>
+      </p:ext>
+    </p:extLst>
+  </p:cSld>
+  <p:clrMapOvr>
+    <a:masterClrMapping/>
+  </p:clrMapOvr>
+</p:sld>
+</file>
+
+<file path=ppt/slides/slide9.xml><?xml version="1.0" encoding="utf-8"?>
+<p:sld xmlns:a="http://schemas.openxmlformats.org/drawingml/2006/main" xmlns:r="http://schemas.openxmlformats.org/officeDocument/2006/relationships" xmlns:p="http://schemas.openxmlformats.org/presentationml/2006/main">
+  <p:cSld>
+    <p:spTree>
+      <p:nvGrpSpPr>
+        <p:cNvPr id="1" name=""/>
+        <p:cNvGrpSpPr/>
+        <p:nvPr/>
+      </p:nvGrpSpPr>
+      <p:grpSpPr>
+        <a:xfrm>
+          <a:off x="0" y="0"/>
+          <a:ext cx="0" cy="0"/>
+          <a:chOff x="0" y="0"/>
+          <a:chExt cx="0" cy="0"/>
+        </a:xfrm>
+      </p:grpSpPr>
+      <p:pic>
+        <p:nvPicPr>
+          <p:cNvPr id="4" name="Content Placeholder 3"/>
+          <p:cNvPicPr>
+            <a:picLocks noGrp="1" noChangeAspect="1"/>
+          </p:cNvPicPr>
+          <p:nvPr>
+            <p:ph idx="1"/>
+          </p:nvPr>
+        </p:nvPicPr>
+        <p:blipFill>
+          <a:blip r:embed="rId3"/>
+          <a:stretch>
+            <a:fillRect/>
+          </a:stretch>
+        </p:blipFill>
+        <p:spPr>
+          <a:xfrm>
+            <a:off x="718273" y="446227"/>
+            <a:ext cx="7629974" cy="5718268"/>
+          </a:xfrm>
+          <a:prstGeom prst="rect">
+            <a:avLst/>
+          </a:prstGeom>
+        </p:spPr>
+      </p:pic>
+      <p:sp>
+        <p:nvSpPr>
+          <p:cNvPr id="5" name="Rectangle 4"/>
+          <p:cNvSpPr/>
+          <p:nvPr/>
+        </p:nvSpPr>
+        <p:spPr>
+          <a:xfrm>
+            <a:off x="718273" y="6264936"/>
+            <a:ext cx="4801314" cy="369332"/>
+          </a:xfrm>
+          <a:prstGeom prst="rect">
+            <a:avLst/>
+          </a:prstGeom>
+        </p:spPr>
+        <p:txBody>
+          <a:bodyPr wrap="none">
+            <a:spAutoFit/>
+          </a:bodyPr>
+          <a:lstStyle/>
+          <a:p>
+            <a:r>
+              <a:rPr lang="en-US" dirty="0">
+                <a:latin typeface="LiberationSerif"/>
+              </a:rPr>
+              <a:t>Store </a:t>
+            </a:r>
+            <a:r>
+              <a:rPr lang="en-US" i="1" dirty="0">
+                <a:latin typeface="LiberationSerif-Italic"/>
+              </a:rPr>
+              <a:t>&lt;</a:t>
+            </a:r>
+            <a:r>
+              <a:rPr lang="en-US" i="1" dirty="0" err="1">
+                <a:latin typeface="LiberationSerif-Italic"/>
+              </a:rPr>
+              <a:t>post_id</a:t>
+            </a:r>
+            <a:r>
+              <a:rPr lang="en-US" i="1" dirty="0">
+                <a:latin typeface="LiberationSerif-Italic"/>
+              </a:rPr>
+              <a:t>, </a:t>
+            </a:r>
+            <a:r>
+              <a:rPr lang="en-US" i="1" dirty="0" err="1">
+                <a:latin typeface="LiberationSerif-Italic"/>
+              </a:rPr>
+              <a:t>user_id</a:t>
+            </a:r>
+            <a:r>
+              <a:rPr lang="en-US" i="1" dirty="0">
+                <a:latin typeface="LiberationSerif-Italic"/>
+              </a:rPr>
+              <a:t> &gt; </a:t>
+            </a:r>
+            <a:r>
+              <a:rPr lang="en-US" dirty="0">
+                <a:latin typeface="LiberationSerif"/>
+              </a:rPr>
+              <a:t>in news feed cache</a:t>
+            </a:r>
+            <a:endParaRPr lang="en-US" dirty="0"/>
+          </a:p>
+        </p:txBody>
+      </p:sp>
+      <p:sp>
+        <p:nvSpPr>
+          <p:cNvPr id="6" name="Rectangle 5"/>
+          <p:cNvSpPr/>
+          <p:nvPr/>
+        </p:nvSpPr>
+        <p:spPr>
+          <a:xfrm>
+            <a:off x="3849385" y="3877607"/>
+            <a:ext cx="4935019" cy="1477328"/>
+          </a:xfrm>
+          <a:prstGeom prst="rect">
+            <a:avLst/>
+          </a:prstGeom>
+        </p:spPr>
+        <p:txBody>
+          <a:bodyPr wrap="square">
+            <a:spAutoFit/>
+          </a:bodyPr>
+          <a:lstStyle/>
+          <a:p>
+            <a:r>
+              <a:rPr lang="en-US" dirty="0">
+                <a:latin typeface="LiberationSerif"/>
+              </a:rPr>
+              <a:t>Get friends info from the user cache. The system then filters out friends based on </a:t>
+            </a:r>
+            <a:r>
+              <a:rPr lang="en-US" dirty="0" smtClean="0">
+                <a:latin typeface="LiberationSerif"/>
+              </a:rPr>
+              <a:t>user settings. </a:t>
+            </a:r>
+            <a:r>
+              <a:rPr lang="en-US" dirty="0">
+                <a:latin typeface="LiberationSerif"/>
+              </a:rPr>
+              <a:t>For example, </a:t>
+            </a:r>
+            <a:r>
+              <a:rPr lang="en-US" dirty="0" smtClean="0">
+                <a:latin typeface="LiberationSerif"/>
+              </a:rPr>
+              <a:t/>
+            </a:r>
+            <a:br>
+              <a:rPr lang="en-US" dirty="0" smtClean="0">
+                <a:latin typeface="LiberationSerif"/>
+              </a:rPr>
+            </a:br>
+            <a:r>
+              <a:rPr lang="en-US" dirty="0" smtClean="0">
+                <a:latin typeface="LiberationSerif"/>
+              </a:rPr>
+              <a:t>1: hide some friends. </a:t>
+            </a:r>
+            <a:br>
+              <a:rPr lang="en-US" dirty="0" smtClean="0">
+                <a:latin typeface="LiberationSerif"/>
+              </a:rPr>
+            </a:br>
+            <a:r>
+              <a:rPr lang="en-US" dirty="0" smtClean="0">
+                <a:latin typeface="LiberationSerif"/>
+              </a:rPr>
+              <a:t>2: not available to some friends</a:t>
+            </a:r>
+            <a:endParaRPr lang="en-US" dirty="0"/>
+          </a:p>
+        </p:txBody>
+      </p:sp>
+    </p:spTree>
+    <p:extLst>
+      <p:ext uri="{BB962C8B-B14F-4D97-AF65-F5344CB8AC3E}">
+        <p14:creationId xmlns:p14="http://schemas.microsoft.com/office/powerpoint/2010/main" val="2747551220"/>
       </p:ext>
     </p:extLst>
   </p:cSld>
